--- a/slides/CIKM_Hard.pptx
+++ b/slides/CIKM_Hard.pptx
@@ -5,10 +5,11 @@
     <p:sldMasterId id="2147483648" r:id="rId1"/>
   </p:sldMasterIdLst>
   <p:notesMasterIdLst>
-    <p:notesMasterId r:id="rId3"/>
+    <p:notesMasterId r:id="rId4"/>
   </p:notesMasterIdLst>
   <p:sldIdLst>
     <p:sldId id="1859" r:id="rId2"/>
+    <p:sldId id="1860" r:id="rId3"/>
   </p:sldIdLst>
   <p:sldSz cx="12192000" cy="6858000"/>
   <p:notesSz cx="6858000" cy="9144000"/>
@@ -197,7 +198,7 @@
           <a:p>
             <a:fld id="{6977184D-24A8-7849-A93C-F6C4A28B9FEB}" type="datetimeFigureOut">
               <a:rPr lang="en-US" smtClean="0"/>
-              <a:t>10/18/23</a:t>
+              <a:t>10/19/23</a:t>
             </a:fld>
             <a:endParaRPr lang="en-US"/>
           </a:p>
@@ -611,7 +612,7 @@
           <a:p>
             <a:fld id="{D6F4839F-7DE1-B14A-88DF-1E87BC238DD3}" type="datetime1">
               <a:rPr lang="en-US" smtClean="0"/>
-              <a:t>10/18/23</a:t>
+              <a:t>10/19/23</a:t>
             </a:fld>
             <a:endParaRPr lang="en-US"/>
           </a:p>
@@ -812,7 +813,7 @@
           <a:p>
             <a:fld id="{16599DE4-5D39-4348-9AAF-E8F68825BC5B}" type="datetime1">
               <a:rPr lang="en-US" smtClean="0"/>
-              <a:t>10/18/23</a:t>
+              <a:t>10/19/23</a:t>
             </a:fld>
             <a:endParaRPr lang="en-US"/>
           </a:p>
@@ -1023,7 +1024,7 @@
           <a:p>
             <a:fld id="{E6D8F26C-F4A7-154D-A8F7-682C4194AF79}" type="datetime1">
               <a:rPr lang="en-US" smtClean="0"/>
-              <a:t>10/18/23</a:t>
+              <a:t>10/19/23</a:t>
             </a:fld>
             <a:endParaRPr lang="en-US"/>
           </a:p>
@@ -1224,7 +1225,7 @@
           <a:p>
             <a:fld id="{81C3BD8B-B388-0944-BF27-A69B2D089469}" type="datetime1">
               <a:rPr lang="en-US" smtClean="0"/>
-              <a:t>10/18/23</a:t>
+              <a:t>10/19/23</a:t>
             </a:fld>
             <a:endParaRPr lang="en-US"/>
           </a:p>
@@ -1502,7 +1503,7 @@
           <a:p>
             <a:fld id="{D60A6E5A-DC8A-C34B-9215-1F0D8E287035}" type="datetime1">
               <a:rPr lang="en-US" smtClean="0"/>
-              <a:t>10/18/23</a:t>
+              <a:t>10/19/23</a:t>
             </a:fld>
             <a:endParaRPr lang="en-US"/>
           </a:p>
@@ -1770,7 +1771,7 @@
           <a:p>
             <a:fld id="{337A1C32-7323-A34F-B4A7-7D22756FAD70}" type="datetime1">
               <a:rPr lang="en-US" smtClean="0"/>
-              <a:t>10/18/23</a:t>
+              <a:t>10/19/23</a:t>
             </a:fld>
             <a:endParaRPr lang="en-US"/>
           </a:p>
@@ -2185,7 +2186,7 @@
           <a:p>
             <a:fld id="{CB6D7B08-82DE-664D-AB2B-C91FFE57ACF6}" type="datetime1">
               <a:rPr lang="en-US" smtClean="0"/>
-              <a:t>10/18/23</a:t>
+              <a:t>10/19/23</a:t>
             </a:fld>
             <a:endParaRPr lang="en-US"/>
           </a:p>
@@ -2329,7 +2330,7 @@
           <a:p>
             <a:fld id="{6C35521F-2369-6445-B181-E95C60B42026}" type="datetime1">
               <a:rPr lang="en-US" smtClean="0"/>
-              <a:t>10/18/23</a:t>
+              <a:t>10/19/23</a:t>
             </a:fld>
             <a:endParaRPr lang="en-US"/>
           </a:p>
@@ -2445,7 +2446,7 @@
           <a:p>
             <a:fld id="{10625208-3CDA-CD4D-AEB9-8F0AF5A15F8D}" type="datetime1">
               <a:rPr lang="en-US" smtClean="0"/>
-              <a:t>10/18/23</a:t>
+              <a:t>10/19/23</a:t>
             </a:fld>
             <a:endParaRPr lang="en-US"/>
           </a:p>
@@ -2759,7 +2760,7 @@
           <a:p>
             <a:fld id="{3D573010-5F3C-7C41-BE77-B6CEE6160861}" type="datetime1">
               <a:rPr lang="en-US" smtClean="0"/>
-              <a:t>10/18/23</a:t>
+              <a:t>10/19/23</a:t>
             </a:fld>
             <a:endParaRPr lang="en-US"/>
           </a:p>
@@ -3050,7 +3051,7 @@
           <a:p>
             <a:fld id="{1CEBBBA8-CAA0-C749-9E2C-53E54900CA18}" type="datetime1">
               <a:rPr lang="en-US" smtClean="0"/>
-              <a:t>10/18/23</a:t>
+              <a:t>10/19/23</a:t>
             </a:fld>
             <a:endParaRPr lang="en-US"/>
           </a:p>
@@ -3294,7 +3295,7 @@
           <a:p>
             <a:fld id="{595B83D0-0A32-6A41-8077-327E0A5F0CB3}" type="datetime1">
               <a:rPr lang="en-US" smtClean="0"/>
-              <a:t>10/18/23</a:t>
+              <a:t>10/19/23</a:t>
             </a:fld>
             <a:endParaRPr lang="en-US"/>
           </a:p>
@@ -3800,6 +3801,141 @@
     <p:extLst>
       <p:ext uri="{BB962C8B-B14F-4D97-AF65-F5344CB8AC3E}">
         <p14:creationId xmlns:p14="http://schemas.microsoft.com/office/powerpoint/2010/main" val="4254351371"/>
+      </p:ext>
+    </p:extLst>
+  </p:cSld>
+  <p:clrMapOvr>
+    <a:masterClrMapping/>
+  </p:clrMapOvr>
+</p:sld>
+</file>
+
+<file path=ppt/slides/slide2.xml><?xml version="1.0" encoding="utf-8"?>
+<p:sld xmlns:a="http://schemas.openxmlformats.org/drawingml/2006/main" xmlns:r="http://schemas.openxmlformats.org/officeDocument/2006/relationships" xmlns:p="http://schemas.openxmlformats.org/presentationml/2006/main">
+  <p:cSld>
+    <p:spTree>
+      <p:nvGrpSpPr>
+        <p:cNvPr id="1" name=""/>
+        <p:cNvGrpSpPr/>
+        <p:nvPr/>
+      </p:nvGrpSpPr>
+      <p:grpSpPr>
+        <a:xfrm>
+          <a:off x="0" y="0"/>
+          <a:ext cx="0" cy="0"/>
+          <a:chOff x="0" y="0"/>
+          <a:chExt cx="0" cy="0"/>
+        </a:xfrm>
+      </p:grpSpPr>
+      <p:sp>
+        <p:nvSpPr>
+          <p:cNvPr id="2" name="Title 1">
+            <a:extLst>
+              <a:ext uri="{FF2B5EF4-FFF2-40B4-BE49-F238E27FC236}">
+                <a16:creationId xmlns:a16="http://schemas.microsoft.com/office/drawing/2014/main" id="{7A7E9E11-1CCB-6A09-2BD8-75F74925C6A3}"/>
+              </a:ext>
+            </a:extLst>
+          </p:cNvPr>
+          <p:cNvSpPr>
+            <a:spLocks noGrp="1"/>
+          </p:cNvSpPr>
+          <p:nvPr>
+            <p:ph type="title"/>
+          </p:nvPr>
+        </p:nvSpPr>
+        <p:spPr/>
+        <p:txBody>
+          <a:bodyPr/>
+          <a:lstStyle/>
+          <a:p>
+            <a:r>
+              <a:rPr lang="en-US" dirty="0"/>
+              <a:t>Hard: Outline</a:t>
+            </a:r>
+          </a:p>
+        </p:txBody>
+      </p:sp>
+      <p:sp>
+        <p:nvSpPr>
+          <p:cNvPr id="3" name="Content Placeholder 2">
+            <a:extLst>
+              <a:ext uri="{FF2B5EF4-FFF2-40B4-BE49-F238E27FC236}">
+                <a16:creationId xmlns:a16="http://schemas.microsoft.com/office/drawing/2014/main" id="{E22EA587-FE9F-1EF6-9A53-8131CD511175}"/>
+              </a:ext>
+            </a:extLst>
+          </p:cNvPr>
+          <p:cNvSpPr>
+            <a:spLocks noGrp="1"/>
+          </p:cNvSpPr>
+          <p:nvPr>
+            <p:ph idx="1"/>
+          </p:nvPr>
+        </p:nvSpPr>
+        <p:spPr/>
+        <p:txBody>
+          <a:bodyPr/>
+          <a:lstStyle/>
+          <a:p>
+            <a:r>
+              <a:rPr lang="en-US" dirty="0"/>
+              <a:t> Academia vs industry</a:t>
+            </a:r>
+          </a:p>
+          <a:p>
+            <a:r>
+              <a:rPr lang="en-US" dirty="0"/>
+              <a:t>  Build an LLM; crawl the Web, build a production inverted index etc.</a:t>
+            </a:r>
+          </a:p>
+          <a:p>
+            <a:r>
+              <a:rPr lang="en-US" dirty="0"/>
+              <a:t>  Research opportunities; pros/cons; pointers to related work</a:t>
+            </a:r>
+          </a:p>
+          <a:p>
+            <a:endParaRPr lang="en-US" dirty="0"/>
+          </a:p>
+          <a:p>
+            <a:r>
+              <a:rPr lang="en-US" dirty="0"/>
+              <a:t>Pre-Training</a:t>
+            </a:r>
+          </a:p>
+        </p:txBody>
+      </p:sp>
+      <p:sp>
+        <p:nvSpPr>
+          <p:cNvPr id="4" name="Footer Placeholder 3">
+            <a:extLst>
+              <a:ext uri="{FF2B5EF4-FFF2-40B4-BE49-F238E27FC236}">
+                <a16:creationId xmlns:a16="http://schemas.microsoft.com/office/drawing/2014/main" id="{A85F29B6-3659-0939-A6B4-CF465E7E0E4B}"/>
+              </a:ext>
+            </a:extLst>
+          </p:cNvPr>
+          <p:cNvSpPr>
+            <a:spLocks noGrp="1"/>
+          </p:cNvSpPr>
+          <p:nvPr>
+            <p:ph type="ftr" sz="quarter" idx="11"/>
+          </p:nvPr>
+        </p:nvSpPr>
+        <p:spPr/>
+        <p:txBody>
+          <a:bodyPr/>
+          <a:lstStyle/>
+          <a:p>
+            <a:r>
+              <a:rPr lang="en-US"/>
+              <a:t>https://github.com/kwchurch/CIKM_2023_tutorial</a:t>
+            </a:r>
+          </a:p>
+        </p:txBody>
+      </p:sp>
+    </p:spTree>
+    <p:extLst>
+      <p:ext uri="{BB962C8B-B14F-4D97-AF65-F5344CB8AC3E}">
+        <p14:creationId xmlns:p14="http://schemas.microsoft.com/office/powerpoint/2010/main" val="1365622676"/>
       </p:ext>
     </p:extLst>
   </p:cSld>

--- a/slides/CIKM_Hard.pptx
+++ b/slides/CIKM_Hard.pptx
@@ -5,11 +5,16 @@
     <p:sldMasterId id="2147483648" r:id="rId1"/>
   </p:sldMasterIdLst>
   <p:notesMasterIdLst>
-    <p:notesMasterId r:id="rId4"/>
+    <p:notesMasterId r:id="rId9"/>
   </p:notesMasterIdLst>
   <p:sldIdLst>
     <p:sldId id="1859" r:id="rId2"/>
     <p:sldId id="1860" r:id="rId3"/>
+    <p:sldId id="1861" r:id="rId4"/>
+    <p:sldId id="543" r:id="rId5"/>
+    <p:sldId id="683" r:id="rId6"/>
+    <p:sldId id="684" r:id="rId7"/>
+    <p:sldId id="981" r:id="rId8"/>
   </p:sldIdLst>
   <p:sldSz cx="12192000" cy="6858000"/>
   <p:notesSz cx="6858000" cy="9144000"/>
@@ -198,7 +203,7 @@
           <a:p>
             <a:fld id="{6977184D-24A8-7849-A93C-F6C4A28B9FEB}" type="datetimeFigureOut">
               <a:rPr lang="en-US" smtClean="0"/>
-              <a:t>10/19/23</a:t>
+              <a:t>10/19/2023</a:t>
             </a:fld>
             <a:endParaRPr lang="en-US"/>
           </a:p>
@@ -612,7 +617,7 @@
           <a:p>
             <a:fld id="{D6F4839F-7DE1-B14A-88DF-1E87BC238DD3}" type="datetime1">
               <a:rPr lang="en-US" smtClean="0"/>
-              <a:t>10/19/23</a:t>
+              <a:t>10/19/2023</a:t>
             </a:fld>
             <a:endParaRPr lang="en-US"/>
           </a:p>
@@ -813,7 +818,7 @@
           <a:p>
             <a:fld id="{16599DE4-5D39-4348-9AAF-E8F68825BC5B}" type="datetime1">
               <a:rPr lang="en-US" smtClean="0"/>
-              <a:t>10/19/23</a:t>
+              <a:t>10/19/2023</a:t>
             </a:fld>
             <a:endParaRPr lang="en-US"/>
           </a:p>
@@ -1024,7 +1029,7 @@
           <a:p>
             <a:fld id="{E6D8F26C-F4A7-154D-A8F7-682C4194AF79}" type="datetime1">
               <a:rPr lang="en-US" smtClean="0"/>
-              <a:t>10/19/23</a:t>
+              <a:t>10/19/2023</a:t>
             </a:fld>
             <a:endParaRPr lang="en-US"/>
           </a:p>
@@ -1225,7 +1230,7 @@
           <a:p>
             <a:fld id="{81C3BD8B-B388-0944-BF27-A69B2D089469}" type="datetime1">
               <a:rPr lang="en-US" smtClean="0"/>
-              <a:t>10/19/23</a:t>
+              <a:t>10/19/2023</a:t>
             </a:fld>
             <a:endParaRPr lang="en-US"/>
           </a:p>
@@ -1503,7 +1508,7 @@
           <a:p>
             <a:fld id="{D60A6E5A-DC8A-C34B-9215-1F0D8E287035}" type="datetime1">
               <a:rPr lang="en-US" smtClean="0"/>
-              <a:t>10/19/23</a:t>
+              <a:t>10/19/2023</a:t>
             </a:fld>
             <a:endParaRPr lang="en-US"/>
           </a:p>
@@ -1771,7 +1776,7 @@
           <a:p>
             <a:fld id="{337A1C32-7323-A34F-B4A7-7D22756FAD70}" type="datetime1">
               <a:rPr lang="en-US" smtClean="0"/>
-              <a:t>10/19/23</a:t>
+              <a:t>10/19/2023</a:t>
             </a:fld>
             <a:endParaRPr lang="en-US"/>
           </a:p>
@@ -2186,7 +2191,7 @@
           <a:p>
             <a:fld id="{CB6D7B08-82DE-664D-AB2B-C91FFE57ACF6}" type="datetime1">
               <a:rPr lang="en-US" smtClean="0"/>
-              <a:t>10/19/23</a:t>
+              <a:t>10/19/2023</a:t>
             </a:fld>
             <a:endParaRPr lang="en-US"/>
           </a:p>
@@ -2330,7 +2335,7 @@
           <a:p>
             <a:fld id="{6C35521F-2369-6445-B181-E95C60B42026}" type="datetime1">
               <a:rPr lang="en-US" smtClean="0"/>
-              <a:t>10/19/23</a:t>
+              <a:t>10/19/2023</a:t>
             </a:fld>
             <a:endParaRPr lang="en-US"/>
           </a:p>
@@ -2446,7 +2451,7 @@
           <a:p>
             <a:fld id="{10625208-3CDA-CD4D-AEB9-8F0AF5A15F8D}" type="datetime1">
               <a:rPr lang="en-US" smtClean="0"/>
-              <a:t>10/19/23</a:t>
+              <a:t>10/19/2023</a:t>
             </a:fld>
             <a:endParaRPr lang="en-US"/>
           </a:p>
@@ -2760,7 +2765,7 @@
           <a:p>
             <a:fld id="{3D573010-5F3C-7C41-BE77-B6CEE6160861}" type="datetime1">
               <a:rPr lang="en-US" smtClean="0"/>
-              <a:t>10/19/23</a:t>
+              <a:t>10/19/2023</a:t>
             </a:fld>
             <a:endParaRPr lang="en-US"/>
           </a:p>
@@ -3051,7 +3056,7 @@
           <a:p>
             <a:fld id="{1CEBBBA8-CAA0-C749-9E2C-53E54900CA18}" type="datetime1">
               <a:rPr lang="en-US" smtClean="0"/>
-              <a:t>10/19/23</a:t>
+              <a:t>10/19/2023</a:t>
             </a:fld>
             <a:endParaRPr lang="en-US"/>
           </a:p>
@@ -3295,7 +3300,7 @@
           <a:p>
             <a:fld id="{595B83D0-0A32-6A41-8077-327E0A5F0CB3}" type="datetime1">
               <a:rPr lang="en-US" smtClean="0"/>
-              <a:t>10/19/23</a:t>
+              <a:t>10/19/2023</a:t>
             </a:fld>
             <a:endParaRPr lang="en-US"/>
           </a:p>
@@ -3936,6 +3941,975 @@
     <p:extLst>
       <p:ext uri="{BB962C8B-B14F-4D97-AF65-F5344CB8AC3E}">
         <p14:creationId xmlns:p14="http://schemas.microsoft.com/office/powerpoint/2010/main" val="1365622676"/>
+      </p:ext>
+    </p:extLst>
+  </p:cSld>
+  <p:clrMapOvr>
+    <a:masterClrMapping/>
+  </p:clrMapOvr>
+</p:sld>
+</file>
+
+<file path=ppt/slides/slide3.xml><?xml version="1.0" encoding="utf-8"?>
+<p:sld xmlns:a="http://schemas.openxmlformats.org/drawingml/2006/main" xmlns:r="http://schemas.openxmlformats.org/officeDocument/2006/relationships" xmlns:p="http://schemas.openxmlformats.org/presentationml/2006/main">
+  <p:cSld>
+    <p:spTree>
+      <p:nvGrpSpPr>
+        <p:cNvPr id="1" name=""/>
+        <p:cNvGrpSpPr/>
+        <p:nvPr/>
+      </p:nvGrpSpPr>
+      <p:grpSpPr>
+        <a:xfrm>
+          <a:off x="0" y="0"/>
+          <a:ext cx="0" cy="0"/>
+          <a:chOff x="0" y="0"/>
+          <a:chExt cx="0" cy="0"/>
+        </a:xfrm>
+      </p:grpSpPr>
+      <p:sp>
+        <p:nvSpPr>
+          <p:cNvPr id="2" name="Title 1">
+            <a:extLst>
+              <a:ext uri="{FF2B5EF4-FFF2-40B4-BE49-F238E27FC236}">
+                <a16:creationId xmlns:a16="http://schemas.microsoft.com/office/drawing/2014/main" id="{E3F9A315-F5BD-1652-90FE-A58E21F3252A}"/>
+              </a:ext>
+            </a:extLst>
+          </p:cNvPr>
+          <p:cNvSpPr>
+            <a:spLocks noGrp="1"/>
+          </p:cNvSpPr>
+          <p:nvPr>
+            <p:ph type="title"/>
+          </p:nvPr>
+        </p:nvSpPr>
+        <p:spPr/>
+        <p:txBody>
+          <a:bodyPr/>
+          <a:lstStyle/>
+          <a:p>
+            <a:r>
+              <a:rPr lang="en-US" dirty="0"/>
+              <a:t>Indexing and crawling</a:t>
+            </a:r>
+          </a:p>
+        </p:txBody>
+      </p:sp>
+      <p:sp>
+        <p:nvSpPr>
+          <p:cNvPr id="3" name="Content Placeholder 2">
+            <a:extLst>
+              <a:ext uri="{FF2B5EF4-FFF2-40B4-BE49-F238E27FC236}">
+                <a16:creationId xmlns:a16="http://schemas.microsoft.com/office/drawing/2014/main" id="{CC968396-ABB2-D1F8-614F-C7780EA037EC}"/>
+              </a:ext>
+            </a:extLst>
+          </p:cNvPr>
+          <p:cNvSpPr>
+            <a:spLocks noGrp="1"/>
+          </p:cNvSpPr>
+          <p:nvPr>
+            <p:ph idx="1"/>
+          </p:nvPr>
+        </p:nvSpPr>
+        <p:spPr/>
+        <p:txBody>
+          <a:bodyPr/>
+          <a:lstStyle/>
+          <a:p>
+            <a:r>
+              <a:rPr lang="en-US" dirty="0"/>
+              <a:t>Small number of web-indexes available</a:t>
+            </a:r>
+          </a:p>
+          <a:p>
+            <a:pPr lvl="1"/>
+            <a:r>
+              <a:rPr lang="en-US" dirty="0"/>
+              <a:t>English (Google and Bing), Chinese (Baidu), Russian (Yandex)</a:t>
+            </a:r>
+          </a:p>
+          <a:p>
+            <a:r>
+              <a:rPr lang="en-US" dirty="0"/>
+              <a:t>Inverted indexing techniques are well understood</a:t>
+            </a:r>
+          </a:p>
+          <a:p>
+            <a:r>
+              <a:rPr lang="en-US" dirty="0"/>
+              <a:t>Large scale is a different story</a:t>
+            </a:r>
+          </a:p>
+          <a:p>
+            <a:pPr lvl="1"/>
+            <a:r>
+              <a:rPr lang="en-US" dirty="0"/>
+              <a:t>MapReduce architectures</a:t>
+            </a:r>
+          </a:p>
+          <a:p>
+            <a:r>
+              <a:rPr lang="en-US" dirty="0"/>
+              <a:t>Updating and serving</a:t>
+            </a:r>
+          </a:p>
+          <a:p>
+            <a:r>
+              <a:rPr lang="en-US" dirty="0"/>
+              <a:t>Ongoing crawling and data wrangling</a:t>
+            </a:r>
+          </a:p>
+          <a:p>
+            <a:r>
+              <a:rPr lang="en-US" dirty="0"/>
+              <a:t>Social networks</a:t>
+            </a:r>
+          </a:p>
+          <a:p>
+            <a:pPr lvl="1"/>
+            <a:r>
+              <a:rPr lang="en-US" dirty="0"/>
+              <a:t>The Like economy</a:t>
+            </a:r>
+          </a:p>
+        </p:txBody>
+      </p:sp>
+      <p:sp>
+        <p:nvSpPr>
+          <p:cNvPr id="4" name="Footer Placeholder 3">
+            <a:extLst>
+              <a:ext uri="{FF2B5EF4-FFF2-40B4-BE49-F238E27FC236}">
+                <a16:creationId xmlns:a16="http://schemas.microsoft.com/office/drawing/2014/main" id="{A0303F53-499A-D571-5B8E-E793DBD96EBA}"/>
+              </a:ext>
+            </a:extLst>
+          </p:cNvPr>
+          <p:cNvSpPr>
+            <a:spLocks noGrp="1"/>
+          </p:cNvSpPr>
+          <p:nvPr>
+            <p:ph type="ftr" sz="quarter" idx="11"/>
+          </p:nvPr>
+        </p:nvSpPr>
+        <p:spPr/>
+        <p:txBody>
+          <a:bodyPr/>
+          <a:lstStyle/>
+          <a:p>
+            <a:r>
+              <a:rPr lang="en-US"/>
+              <a:t>https://github.com/kwchurch/CIKM_2023_tutorial</a:t>
+            </a:r>
+          </a:p>
+        </p:txBody>
+      </p:sp>
+    </p:spTree>
+    <p:extLst>
+      <p:ext uri="{BB962C8B-B14F-4D97-AF65-F5344CB8AC3E}">
+        <p14:creationId xmlns:p14="http://schemas.microsoft.com/office/powerpoint/2010/main" val="609159906"/>
+      </p:ext>
+    </p:extLst>
+  </p:cSld>
+  <p:clrMapOvr>
+    <a:masterClrMapping/>
+  </p:clrMapOvr>
+</p:sld>
+</file>
+
+<file path=ppt/slides/slide4.xml><?xml version="1.0" encoding="utf-8"?>
+<p:sld xmlns:a="http://schemas.openxmlformats.org/drawingml/2006/main" xmlns:r="http://schemas.openxmlformats.org/officeDocument/2006/relationships" xmlns:p="http://schemas.openxmlformats.org/presentationml/2006/main">
+  <p:cSld>
+    <p:spTree>
+      <p:nvGrpSpPr>
+        <p:cNvPr id="1" name=""/>
+        <p:cNvGrpSpPr/>
+        <p:nvPr/>
+      </p:nvGrpSpPr>
+      <p:grpSpPr>
+        <a:xfrm>
+          <a:off x="0" y="0"/>
+          <a:ext cx="0" cy="0"/>
+          <a:chOff x="0" y="0"/>
+          <a:chExt cx="0" cy="0"/>
+        </a:xfrm>
+      </p:grpSpPr>
+      <p:sp>
+        <p:nvSpPr>
+          <p:cNvPr id="2" name="Title 1">
+            <a:extLst>
+              <a:ext uri="{FF2B5EF4-FFF2-40B4-BE49-F238E27FC236}">
+                <a16:creationId xmlns:a16="http://schemas.microsoft.com/office/drawing/2014/main" id="{613B28D8-0C25-4EFD-892B-BECA3E8521B7}"/>
+              </a:ext>
+            </a:extLst>
+          </p:cNvPr>
+          <p:cNvSpPr>
+            <a:spLocks noGrp="1"/>
+          </p:cNvSpPr>
+          <p:nvPr>
+            <p:ph type="title"/>
+          </p:nvPr>
+        </p:nvSpPr>
+        <p:spPr/>
+        <p:txBody>
+          <a:bodyPr/>
+          <a:lstStyle/>
+          <a:p>
+            <a:r>
+              <a:rPr lang="en-US" dirty="0"/>
+              <a:t>Relevance</a:t>
+            </a:r>
+          </a:p>
+        </p:txBody>
+      </p:sp>
+      <p:sp>
+        <p:nvSpPr>
+          <p:cNvPr id="3" name="Content Placeholder 2">
+            <a:extLst>
+              <a:ext uri="{FF2B5EF4-FFF2-40B4-BE49-F238E27FC236}">
+                <a16:creationId xmlns:a16="http://schemas.microsoft.com/office/drawing/2014/main" id="{2825BAA4-6058-4EBA-AF6F-949FB674326E}"/>
+              </a:ext>
+            </a:extLst>
+          </p:cNvPr>
+          <p:cNvSpPr>
+            <a:spLocks noGrp="1"/>
+          </p:cNvSpPr>
+          <p:nvPr>
+            <p:ph idx="1"/>
+          </p:nvPr>
+        </p:nvSpPr>
+        <p:spPr/>
+        <p:txBody>
+          <a:bodyPr>
+            <a:normAutofit lnSpcReduction="10000"/>
+          </a:bodyPr>
+          <a:lstStyle/>
+          <a:p>
+            <a:r>
+              <a:rPr lang="en-US" dirty="0"/>
+              <a:t>Many factors affect whether a document satisfies a particular user’s information need </a:t>
+            </a:r>
+          </a:p>
+          <a:p>
+            <a:r>
+              <a:rPr lang="en-US" dirty="0"/>
+              <a:t>Topicality, novelty, freshness, authority, formatting, prior knowledge, expertise </a:t>
+            </a:r>
+          </a:p>
+          <a:p>
+            <a:r>
+              <a:rPr lang="en-US" dirty="0"/>
+              <a:t>Topical relevance: the document is on the same topic as the query </a:t>
+            </a:r>
+          </a:p>
+          <a:p>
+            <a:r>
+              <a:rPr lang="en-US" dirty="0"/>
+              <a:t>User relevance: everything else</a:t>
+            </a:r>
+          </a:p>
+          <a:p>
+            <a:r>
+              <a:rPr lang="en-US" dirty="0"/>
+              <a:t>Topical relevance</a:t>
+            </a:r>
+          </a:p>
+          <a:p>
+            <a:pPr lvl="1"/>
+            <a:r>
+              <a:rPr lang="en-US" dirty="0"/>
+              <a:t>Focusing on topical relevance does not mean we’re ignoring everything else</a:t>
+            </a:r>
+          </a:p>
+          <a:p>
+            <a:pPr lvl="1"/>
+            <a:r>
+              <a:rPr lang="en-US" dirty="0"/>
+              <a:t>It only means we’re focusing on one criteria by which users judge relevance </a:t>
+            </a:r>
+          </a:p>
+          <a:p>
+            <a:r>
+              <a:rPr lang="en-US" dirty="0"/>
+              <a:t>Domain </a:t>
+            </a:r>
+            <a:r>
+              <a:rPr lang="en-US"/>
+              <a:t>specific features</a:t>
+            </a:r>
+            <a:endParaRPr lang="en-US" dirty="0"/>
+          </a:p>
+          <a:p>
+            <a:endParaRPr lang="en-US" dirty="0"/>
+          </a:p>
+        </p:txBody>
+      </p:sp>
+    </p:spTree>
+    <p:extLst>
+      <p:ext uri="{BB962C8B-B14F-4D97-AF65-F5344CB8AC3E}">
+        <p14:creationId xmlns:p14="http://schemas.microsoft.com/office/powerpoint/2010/main" val="2338010893"/>
+      </p:ext>
+    </p:extLst>
+  </p:cSld>
+  <p:clrMapOvr>
+    <a:masterClrMapping/>
+  </p:clrMapOvr>
+</p:sld>
+</file>
+
+<file path=ppt/slides/slide5.xml><?xml version="1.0" encoding="utf-8"?>
+<p:sld xmlns:a="http://schemas.openxmlformats.org/drawingml/2006/main" xmlns:r="http://schemas.openxmlformats.org/officeDocument/2006/relationships" xmlns:p="http://schemas.openxmlformats.org/presentationml/2006/main">
+  <p:cSld>
+    <p:spTree>
+      <p:nvGrpSpPr>
+        <p:cNvPr id="1" name=""/>
+        <p:cNvGrpSpPr/>
+        <p:nvPr/>
+      </p:nvGrpSpPr>
+      <p:grpSpPr>
+        <a:xfrm>
+          <a:off x="0" y="0"/>
+          <a:ext cx="0" cy="0"/>
+          <a:chOff x="0" y="0"/>
+          <a:chExt cx="0" cy="0"/>
+        </a:xfrm>
+      </p:grpSpPr>
+      <p:sp>
+        <p:nvSpPr>
+          <p:cNvPr id="2" name="Title 1">
+            <a:extLst>
+              <a:ext uri="{FF2B5EF4-FFF2-40B4-BE49-F238E27FC236}">
+                <a16:creationId xmlns:a16="http://schemas.microsoft.com/office/drawing/2014/main" id="{8CEFD5F4-64EB-4287-9208-A174EE8E351B}"/>
+              </a:ext>
+            </a:extLst>
+          </p:cNvPr>
+          <p:cNvSpPr>
+            <a:spLocks noGrp="1"/>
+          </p:cNvSpPr>
+          <p:nvPr>
+            <p:ph type="title"/>
+          </p:nvPr>
+        </p:nvSpPr>
+        <p:spPr/>
+        <p:txBody>
+          <a:bodyPr/>
+          <a:lstStyle/>
+          <a:p>
+            <a:r>
+              <a:rPr lang="en-US" dirty="0"/>
+              <a:t>Large scale experimentation</a:t>
+            </a:r>
+          </a:p>
+        </p:txBody>
+      </p:sp>
+      <p:sp>
+        <p:nvSpPr>
+          <p:cNvPr id="3" name="Content Placeholder 2">
+            <a:extLst>
+              <a:ext uri="{FF2B5EF4-FFF2-40B4-BE49-F238E27FC236}">
+                <a16:creationId xmlns:a16="http://schemas.microsoft.com/office/drawing/2014/main" id="{5505CC73-998D-4756-8BC7-7E7AE906A9D6}"/>
+              </a:ext>
+            </a:extLst>
+          </p:cNvPr>
+          <p:cNvSpPr>
+            <a:spLocks noGrp="1"/>
+          </p:cNvSpPr>
+          <p:nvPr>
+            <p:ph idx="1"/>
+          </p:nvPr>
+        </p:nvSpPr>
+        <p:spPr/>
+        <p:txBody>
+          <a:bodyPr>
+            <a:normAutofit lnSpcReduction="10000"/>
+          </a:bodyPr>
+          <a:lstStyle/>
+          <a:p>
+            <a:r>
+              <a:rPr lang="en-US" dirty="0"/>
+              <a:t>Principles for designing, running and analyzing experiments</a:t>
+            </a:r>
+          </a:p>
+          <a:p>
+            <a:r>
+              <a:rPr lang="en-US" dirty="0"/>
+              <a:t>Imagine an e-commerce website where the user:</a:t>
+            </a:r>
+          </a:p>
+          <a:p>
+            <a:pPr lvl="1"/>
+            <a:r>
+              <a:rPr lang="en-US" dirty="0"/>
+              <a:t>Visit the homepage -&gt; browse/search for items -&gt; add item to cart -&gt; start purchase process -&gt; complete purchase</a:t>
+            </a:r>
+          </a:p>
+          <a:p>
+            <a:r>
+              <a:rPr lang="en-US" dirty="0"/>
+              <a:t>Product team wants to add coupon feature to UX</a:t>
+            </a:r>
+          </a:p>
+          <a:p>
+            <a:r>
+              <a:rPr lang="en-US" dirty="0"/>
+              <a:t>We need to evaluate the impact of the change</a:t>
+            </a:r>
+          </a:p>
+          <a:p>
+            <a:r>
+              <a:rPr lang="en-US" dirty="0"/>
+              <a:t>Hypothesis: adding new feature will increase revenue</a:t>
+            </a:r>
+          </a:p>
+          <a:p>
+            <a:r>
+              <a:rPr lang="en-US" dirty="0"/>
+              <a:t>Two user interfaces:</a:t>
+            </a:r>
+          </a:p>
+          <a:p>
+            <a:pPr lvl="1"/>
+            <a:r>
+              <a:rPr lang="en-US" dirty="0"/>
+              <a:t>Control (no changes)</a:t>
+            </a:r>
+          </a:p>
+          <a:p>
+            <a:pPr lvl="1"/>
+            <a:r>
+              <a:rPr lang="en-US" dirty="0"/>
+              <a:t>Treatment (with coupon feature)</a:t>
+            </a:r>
+          </a:p>
+        </p:txBody>
+      </p:sp>
+    </p:spTree>
+    <p:extLst>
+      <p:ext uri="{BB962C8B-B14F-4D97-AF65-F5344CB8AC3E}">
+        <p14:creationId xmlns:p14="http://schemas.microsoft.com/office/powerpoint/2010/main" val="1637889028"/>
+      </p:ext>
+    </p:extLst>
+  </p:cSld>
+  <p:clrMapOvr>
+    <a:masterClrMapping/>
+  </p:clrMapOvr>
+</p:sld>
+</file>
+
+<file path=ppt/slides/slide6.xml><?xml version="1.0" encoding="utf-8"?>
+<p:sld xmlns:a="http://schemas.openxmlformats.org/drawingml/2006/main" xmlns:r="http://schemas.openxmlformats.org/officeDocument/2006/relationships" xmlns:p="http://schemas.openxmlformats.org/presentationml/2006/main">
+  <p:cSld>
+    <p:spTree>
+      <p:nvGrpSpPr>
+        <p:cNvPr id="1" name=""/>
+        <p:cNvGrpSpPr/>
+        <p:nvPr/>
+      </p:nvGrpSpPr>
+      <p:grpSpPr>
+        <a:xfrm>
+          <a:off x="0" y="0"/>
+          <a:ext cx="0" cy="0"/>
+          <a:chOff x="0" y="0"/>
+          <a:chExt cx="0" cy="0"/>
+        </a:xfrm>
+      </p:grpSpPr>
+      <p:sp>
+        <p:nvSpPr>
+          <p:cNvPr id="2" name="Title 1">
+            <a:extLst>
+              <a:ext uri="{FF2B5EF4-FFF2-40B4-BE49-F238E27FC236}">
+                <a16:creationId xmlns:a16="http://schemas.microsoft.com/office/drawing/2014/main" id="{C16FABBE-771D-4E2F-8DA3-819CE337EE57}"/>
+              </a:ext>
+            </a:extLst>
+          </p:cNvPr>
+          <p:cNvSpPr>
+            <a:spLocks noGrp="1"/>
+          </p:cNvSpPr>
+          <p:nvPr>
+            <p:ph type="title"/>
+          </p:nvPr>
+        </p:nvSpPr>
+        <p:spPr/>
+        <p:txBody>
+          <a:bodyPr/>
+          <a:lstStyle/>
+          <a:p>
+            <a:r>
+              <a:rPr lang="en-US" dirty="0"/>
+              <a:t>Designing experiments (A/B testing)</a:t>
+            </a:r>
+          </a:p>
+        </p:txBody>
+      </p:sp>
+      <p:sp>
+        <p:nvSpPr>
+          <p:cNvPr id="3" name="Content Placeholder 2">
+            <a:extLst>
+              <a:ext uri="{FF2B5EF4-FFF2-40B4-BE49-F238E27FC236}">
+                <a16:creationId xmlns:a16="http://schemas.microsoft.com/office/drawing/2014/main" id="{70BAECC3-EC73-431D-A4DF-75DFF7761BEC}"/>
+              </a:ext>
+            </a:extLst>
+          </p:cNvPr>
+          <p:cNvSpPr>
+            <a:spLocks noGrp="1"/>
+          </p:cNvSpPr>
+          <p:nvPr>
+            <p:ph idx="1"/>
+          </p:nvPr>
+        </p:nvSpPr>
+        <p:spPr>
+          <a:xfrm>
+            <a:off x="838199" y="1825625"/>
+            <a:ext cx="8438965" cy="4351338"/>
+          </a:xfrm>
+        </p:spPr>
+        <p:txBody>
+          <a:bodyPr/>
+          <a:lstStyle/>
+          <a:p>
+            <a:r>
+              <a:rPr lang="en-US" dirty="0"/>
+              <a:t>Randomization unit</a:t>
+            </a:r>
+          </a:p>
+          <a:p>
+            <a:r>
+              <a:rPr lang="en-US" dirty="0"/>
+              <a:t>Population</a:t>
+            </a:r>
+          </a:p>
+          <a:p>
+            <a:r>
+              <a:rPr lang="en-US" dirty="0"/>
+              <a:t>How large does our experiment need to be</a:t>
+            </a:r>
+          </a:p>
+          <a:p>
+            <a:r>
+              <a:rPr lang="en-US" dirty="0"/>
+              <a:t>How long do we run the experiment</a:t>
+            </a:r>
+          </a:p>
+          <a:p>
+            <a:r>
+              <a:rPr lang="en-US" dirty="0"/>
+              <a:t>Does the experiment scale well?  (1%, 2%, 5%, 10%, … )</a:t>
+            </a:r>
+          </a:p>
+          <a:p>
+            <a:r>
+              <a:rPr lang="en-US" dirty="0"/>
+              <a:t>https://experimentguide.com/</a:t>
+            </a:r>
+          </a:p>
+        </p:txBody>
+      </p:sp>
+      <p:pic>
+        <p:nvPicPr>
+          <p:cNvPr id="5" name="Picture 4">
+            <a:extLst>
+              <a:ext uri="{FF2B5EF4-FFF2-40B4-BE49-F238E27FC236}">
+                <a16:creationId xmlns:a16="http://schemas.microsoft.com/office/drawing/2014/main" id="{AA4C78E0-B8C4-4AA2-AC5E-6C7FB146F615}"/>
+              </a:ext>
+            </a:extLst>
+          </p:cNvPr>
+          <p:cNvPicPr>
+            <a:picLocks noChangeAspect="1"/>
+          </p:cNvPicPr>
+          <p:nvPr/>
+        </p:nvPicPr>
+        <p:blipFill>
+          <a:blip r:embed="rId2"/>
+          <a:stretch>
+            <a:fillRect/>
+          </a:stretch>
+        </p:blipFill>
+        <p:spPr>
+          <a:xfrm>
+            <a:off x="9426040" y="2025650"/>
+            <a:ext cx="2552247" cy="3611670"/>
+          </a:xfrm>
+          <a:prstGeom prst="rect">
+            <a:avLst/>
+          </a:prstGeom>
+        </p:spPr>
+      </p:pic>
+    </p:spTree>
+    <p:extLst>
+      <p:ext uri="{BB962C8B-B14F-4D97-AF65-F5344CB8AC3E}">
+        <p14:creationId xmlns:p14="http://schemas.microsoft.com/office/powerpoint/2010/main" val="3354324181"/>
+      </p:ext>
+    </p:extLst>
+  </p:cSld>
+  <p:clrMapOvr>
+    <a:masterClrMapping/>
+  </p:clrMapOvr>
+</p:sld>
+</file>
+
+<file path=ppt/slides/slide7.xml><?xml version="1.0" encoding="utf-8"?>
+<p:sld xmlns:a="http://schemas.openxmlformats.org/drawingml/2006/main" xmlns:r="http://schemas.openxmlformats.org/officeDocument/2006/relationships" xmlns:p="http://schemas.openxmlformats.org/presentationml/2006/main">
+  <p:cSld>
+    <p:spTree>
+      <p:nvGrpSpPr>
+        <p:cNvPr id="1" name=""/>
+        <p:cNvGrpSpPr/>
+        <p:nvPr/>
+      </p:nvGrpSpPr>
+      <p:grpSpPr>
+        <a:xfrm>
+          <a:off x="0" y="0"/>
+          <a:ext cx="0" cy="0"/>
+          <a:chOff x="0" y="0"/>
+          <a:chExt cx="0" cy="0"/>
+        </a:xfrm>
+      </p:grpSpPr>
+      <p:sp>
+        <p:nvSpPr>
+          <p:cNvPr id="2" name="Title 1">
+            <a:extLst>
+              <a:ext uri="{FF2B5EF4-FFF2-40B4-BE49-F238E27FC236}">
+                <a16:creationId xmlns:a16="http://schemas.microsoft.com/office/drawing/2014/main" id="{F8E01578-5854-3667-6A38-FE2A16C971E9}"/>
+              </a:ext>
+            </a:extLst>
+          </p:cNvPr>
+          <p:cNvSpPr>
+            <a:spLocks noGrp="1"/>
+          </p:cNvSpPr>
+          <p:nvPr>
+            <p:ph type="title"/>
+          </p:nvPr>
+        </p:nvSpPr>
+        <p:spPr/>
+        <p:txBody>
+          <a:bodyPr/>
+          <a:lstStyle/>
+          <a:p>
+            <a:r>
+              <a:rPr lang="en-US"/>
+              <a:t>Pre-Training </a:t>
+            </a:r>
+            <a:r>
+              <a:rPr lang="en-US" dirty="0"/>
+              <a:t>Large Language Models (LLMs)</a:t>
+            </a:r>
+          </a:p>
+        </p:txBody>
+      </p:sp>
+      <p:pic>
+        <p:nvPicPr>
+          <p:cNvPr id="5" name="Google Shape;239;p19">
+            <a:extLst>
+              <a:ext uri="{FF2B5EF4-FFF2-40B4-BE49-F238E27FC236}">
+                <a16:creationId xmlns:a16="http://schemas.microsoft.com/office/drawing/2014/main" id="{FE979315-1148-ACF0-C1FC-F31A34E3369B}"/>
+              </a:ext>
+            </a:extLst>
+          </p:cNvPr>
+          <p:cNvPicPr preferRelativeResize="0">
+            <a:picLocks noGrp="1"/>
+          </p:cNvPicPr>
+          <p:nvPr>
+            <p:ph sz="half" idx="1"/>
+          </p:nvPr>
+        </p:nvPicPr>
+        <p:blipFill rotWithShape="1">
+          <a:blip r:embed="rId2">
+            <a:alphaModFix/>
+          </a:blip>
+          <a:srcRect/>
+          <a:stretch/>
+        </p:blipFill>
+        <p:spPr>
+          <a:xfrm>
+            <a:off x="285034" y="2495837"/>
+            <a:ext cx="6031041" cy="2601072"/>
+          </a:xfrm>
+          <a:prstGeom prst="rect">
+            <a:avLst/>
+          </a:prstGeom>
+          <a:noFill/>
+          <a:ln>
+            <a:noFill/>
+          </a:ln>
+        </p:spPr>
+      </p:pic>
+      <p:pic>
+        <p:nvPicPr>
+          <p:cNvPr id="10" name="Content Placeholder 9">
+            <a:extLst>
+              <a:ext uri="{FF2B5EF4-FFF2-40B4-BE49-F238E27FC236}">
+                <a16:creationId xmlns:a16="http://schemas.microsoft.com/office/drawing/2014/main" id="{6460563C-6F76-986A-C513-5059FD77E007}"/>
+              </a:ext>
+            </a:extLst>
+          </p:cNvPr>
+          <p:cNvPicPr>
+            <a:picLocks noGrp="1" noChangeAspect="1"/>
+          </p:cNvPicPr>
+          <p:nvPr>
+            <p:ph sz="half" idx="2"/>
+          </p:nvPr>
+        </p:nvPicPr>
+        <p:blipFill>
+          <a:blip r:embed="rId3"/>
+          <a:stretch>
+            <a:fillRect/>
+          </a:stretch>
+        </p:blipFill>
+        <p:spPr>
+          <a:xfrm>
+            <a:off x="6587331" y="1825625"/>
+            <a:ext cx="4351338" cy="4351338"/>
+          </a:xfrm>
+        </p:spPr>
+      </p:pic>
+      <p:sp>
+        <p:nvSpPr>
+          <p:cNvPr id="11" name="TextBox 10">
+            <a:extLst>
+              <a:ext uri="{FF2B5EF4-FFF2-40B4-BE49-F238E27FC236}">
+                <a16:creationId xmlns:a16="http://schemas.microsoft.com/office/drawing/2014/main" id="{F65FEE9A-D86D-50A9-1997-892E6475F2AF}"/>
+              </a:ext>
+            </a:extLst>
+          </p:cNvPr>
+          <p:cNvSpPr txBox="1"/>
+          <p:nvPr/>
+        </p:nvSpPr>
+        <p:spPr>
+          <a:xfrm rot="16200000">
+            <a:off x="10016525" y="2892378"/>
+            <a:ext cx="703911" cy="369332"/>
+          </a:xfrm>
+          <a:prstGeom prst="rect">
+            <a:avLst/>
+          </a:prstGeom>
+          <a:noFill/>
+        </p:spPr>
+        <p:txBody>
+          <a:bodyPr wrap="none" rtlCol="0">
+            <a:spAutoFit/>
+          </a:bodyPr>
+          <a:lstStyle/>
+          <a:p>
+            <a:r>
+              <a:rPr lang="en-US" dirty="0" err="1"/>
+              <a:t>PaLM</a:t>
+            </a:r>
+            <a:endParaRPr lang="en-US" dirty="0"/>
+          </a:p>
+        </p:txBody>
+      </p:sp>
+      <p:sp>
+        <p:nvSpPr>
+          <p:cNvPr id="12" name="TextBox 11">
+            <a:extLst>
+              <a:ext uri="{FF2B5EF4-FFF2-40B4-BE49-F238E27FC236}">
+                <a16:creationId xmlns:a16="http://schemas.microsoft.com/office/drawing/2014/main" id="{86DC95D6-91FF-6B47-872A-2E7FE00C55D1}"/>
+              </a:ext>
+            </a:extLst>
+          </p:cNvPr>
+          <p:cNvSpPr txBox="1"/>
+          <p:nvPr/>
+        </p:nvSpPr>
+        <p:spPr>
+          <a:xfrm rot="16200000">
+            <a:off x="7005187" y="4541751"/>
+            <a:ext cx="851067" cy="369332"/>
+          </a:xfrm>
+          <a:prstGeom prst="rect">
+            <a:avLst/>
+          </a:prstGeom>
+          <a:noFill/>
+        </p:spPr>
+        <p:txBody>
+          <a:bodyPr wrap="none" rtlCol="0">
+            <a:spAutoFit/>
+          </a:bodyPr>
+          <a:lstStyle/>
+          <a:p>
+            <a:r>
+              <a:rPr lang="en-US" dirty="0" err="1"/>
+              <a:t>ResNet</a:t>
+            </a:r>
+            <a:endParaRPr lang="en-US" dirty="0"/>
+          </a:p>
+        </p:txBody>
+      </p:sp>
+      <p:sp>
+        <p:nvSpPr>
+          <p:cNvPr id="14" name="TextBox 13">
+            <a:extLst>
+              <a:ext uri="{FF2B5EF4-FFF2-40B4-BE49-F238E27FC236}">
+                <a16:creationId xmlns:a16="http://schemas.microsoft.com/office/drawing/2014/main" id="{DF0C5F36-BF92-B2A1-DBAF-3DF4EF10F804}"/>
+              </a:ext>
+            </a:extLst>
+          </p:cNvPr>
+          <p:cNvSpPr txBox="1"/>
+          <p:nvPr/>
+        </p:nvSpPr>
+        <p:spPr>
+          <a:xfrm>
+            <a:off x="8636472" y="2712318"/>
+            <a:ext cx="729880" cy="369332"/>
+          </a:xfrm>
+          <a:prstGeom prst="rect">
+            <a:avLst/>
+          </a:prstGeom>
+          <a:noFill/>
+        </p:spPr>
+        <p:txBody>
+          <a:bodyPr wrap="none" rtlCol="0">
+            <a:spAutoFit/>
+          </a:bodyPr>
+          <a:lstStyle/>
+          <a:p>
+            <a:r>
+              <a:rPr lang="en-US" dirty="0"/>
+              <a:t>GPT-3</a:t>
+            </a:r>
+          </a:p>
+        </p:txBody>
+      </p:sp>
+      <p:sp>
+        <p:nvSpPr>
+          <p:cNvPr id="15" name="TextBox 14">
+            <a:extLst>
+              <a:ext uri="{FF2B5EF4-FFF2-40B4-BE49-F238E27FC236}">
+                <a16:creationId xmlns:a16="http://schemas.microsoft.com/office/drawing/2014/main" id="{B5F0AC94-B51C-F32C-D37B-BCF5D8C73669}"/>
+              </a:ext>
+            </a:extLst>
+          </p:cNvPr>
+          <p:cNvSpPr txBox="1"/>
+          <p:nvPr/>
+        </p:nvSpPr>
+        <p:spPr>
+          <a:xfrm>
+            <a:off x="9001412" y="3931552"/>
+            <a:ext cx="729880" cy="369332"/>
+          </a:xfrm>
+          <a:prstGeom prst="rect">
+            <a:avLst/>
+          </a:prstGeom>
+          <a:noFill/>
+        </p:spPr>
+        <p:txBody>
+          <a:bodyPr wrap="none" rtlCol="0">
+            <a:spAutoFit/>
+          </a:bodyPr>
+          <a:lstStyle/>
+          <a:p>
+            <a:r>
+              <a:rPr lang="en-US" dirty="0"/>
+              <a:t>GPT-2</a:t>
+            </a:r>
+          </a:p>
+        </p:txBody>
+      </p:sp>
+      <p:sp>
+        <p:nvSpPr>
+          <p:cNvPr id="16" name="TextBox 15">
+            <a:extLst>
+              <a:ext uri="{FF2B5EF4-FFF2-40B4-BE49-F238E27FC236}">
+                <a16:creationId xmlns:a16="http://schemas.microsoft.com/office/drawing/2014/main" id="{9773F47E-3266-5652-00EE-8EC11E153A0D}"/>
+              </a:ext>
+            </a:extLst>
+          </p:cNvPr>
+          <p:cNvSpPr txBox="1"/>
+          <p:nvPr/>
+        </p:nvSpPr>
+        <p:spPr>
+          <a:xfrm>
+            <a:off x="9012772" y="4331938"/>
+            <a:ext cx="656911" cy="369332"/>
+          </a:xfrm>
+          <a:prstGeom prst="rect">
+            <a:avLst/>
+          </a:prstGeom>
+          <a:noFill/>
+        </p:spPr>
+        <p:txBody>
+          <a:bodyPr wrap="none" rtlCol="0">
+            <a:spAutoFit/>
+          </a:bodyPr>
+          <a:lstStyle/>
+          <a:p>
+            <a:r>
+              <a:rPr lang="en-US" dirty="0"/>
+              <a:t>BERT</a:t>
+            </a:r>
+          </a:p>
+        </p:txBody>
+      </p:sp>
+      <p:sp>
+        <p:nvSpPr>
+          <p:cNvPr id="17" name="TextBox 16">
+            <a:extLst>
+              <a:ext uri="{FF2B5EF4-FFF2-40B4-BE49-F238E27FC236}">
+                <a16:creationId xmlns:a16="http://schemas.microsoft.com/office/drawing/2014/main" id="{BC3424CA-F597-6C1B-7FEC-CC5A9D01377E}"/>
+              </a:ext>
+            </a:extLst>
+          </p:cNvPr>
+          <p:cNvSpPr txBox="1"/>
+          <p:nvPr/>
+        </p:nvSpPr>
+        <p:spPr>
+          <a:xfrm>
+            <a:off x="149358" y="5231846"/>
+            <a:ext cx="6916006" cy="954107"/>
+          </a:xfrm>
+          <a:prstGeom prst="rect">
+            <a:avLst/>
+          </a:prstGeom>
+          <a:noFill/>
+        </p:spPr>
+        <p:txBody>
+          <a:bodyPr wrap="square" rtlCol="0">
+            <a:spAutoFit/>
+          </a:bodyPr>
+          <a:lstStyle/>
+          <a:p>
+            <a:r>
+              <a:rPr lang="en-US" sz="2800" dirty="0"/>
+              <a:t>Most users should not invest in pretraining </a:t>
+            </a:r>
+          </a:p>
+          <a:p>
+            <a:r>
+              <a:rPr lang="en-US" sz="2800" dirty="0"/>
+              <a:t>because growth (&amp; costs) are out of control</a:t>
+            </a:r>
+          </a:p>
+        </p:txBody>
+      </p:sp>
+      <p:sp>
+        <p:nvSpPr>
+          <p:cNvPr id="3" name="Footer Placeholder 2">
+            <a:extLst>
+              <a:ext uri="{FF2B5EF4-FFF2-40B4-BE49-F238E27FC236}">
+                <a16:creationId xmlns:a16="http://schemas.microsoft.com/office/drawing/2014/main" id="{F3F840DD-7BBE-3E8E-59C0-B995E0B9CE32}"/>
+              </a:ext>
+            </a:extLst>
+          </p:cNvPr>
+          <p:cNvSpPr>
+            <a:spLocks noGrp="1"/>
+          </p:cNvSpPr>
+          <p:nvPr>
+            <p:ph type="ftr" sz="quarter" idx="11"/>
+          </p:nvPr>
+        </p:nvSpPr>
+        <p:spPr/>
+        <p:txBody>
+          <a:bodyPr/>
+          <a:lstStyle/>
+          <a:p>
+            <a:r>
+              <a:rPr lang="en-US"/>
+              <a:t>https://github.com/kwchurch/CIKM_2023_tutorial</a:t>
+            </a:r>
+          </a:p>
+        </p:txBody>
+      </p:sp>
+    </p:spTree>
+    <p:extLst>
+      <p:ext uri="{BB962C8B-B14F-4D97-AF65-F5344CB8AC3E}">
+        <p14:creationId xmlns:p14="http://schemas.microsoft.com/office/powerpoint/2010/main" val="2821929885"/>
       </p:ext>
     </p:extLst>
   </p:cSld>
